--- a/Folien/Exkurs_Programmiersprache_C.pptx
+++ b/Folien/Exkurs_Programmiersprache_C.pptx
@@ -218,7 +218,7 @@
           <a:p>
             <a:fld id="{1111EAE3-0D17-7D4D-B5C8-7430D3A14508}" type="datetimeFigureOut">
               <a:rPr lang="en-US" smtClean="0"/>
-              <a:t>2/16/22</a:t>
+              <a:t>11/16/22</a:t>
             </a:fld>
             <a:endParaRPr lang="en-US"/>
           </a:p>
@@ -2403,7 +2403,7 @@
           <a:p>
             <a:fld id="{46878720-212C-42BB-B356-99628BFE1EBF}" type="datetimeFigureOut">
               <a:rPr lang="en-US" smtClean="0"/>
-              <a:t>2/16/22</a:t>
+              <a:t>11/16/22</a:t>
             </a:fld>
             <a:endParaRPr lang="en-US"/>
           </a:p>
@@ -2601,7 +2601,7 @@
           <a:p>
             <a:fld id="{46878720-212C-42BB-B356-99628BFE1EBF}" type="datetimeFigureOut">
               <a:rPr lang="en-US" smtClean="0"/>
-              <a:t>2/16/22</a:t>
+              <a:t>11/16/22</a:t>
             </a:fld>
             <a:endParaRPr lang="en-US"/>
           </a:p>
@@ -2809,7 +2809,7 @@
           <a:p>
             <a:fld id="{46878720-212C-42BB-B356-99628BFE1EBF}" type="datetimeFigureOut">
               <a:rPr lang="en-US" smtClean="0"/>
-              <a:t>2/16/22</a:t>
+              <a:t>11/16/22</a:t>
             </a:fld>
             <a:endParaRPr lang="en-US"/>
           </a:p>
@@ -3007,7 +3007,7 @@
           <a:p>
             <a:fld id="{46878720-212C-42BB-B356-99628BFE1EBF}" type="datetimeFigureOut">
               <a:rPr lang="en-US" smtClean="0"/>
-              <a:t>2/16/22</a:t>
+              <a:t>11/16/22</a:t>
             </a:fld>
             <a:endParaRPr lang="en-US"/>
           </a:p>
@@ -3282,7 +3282,7 @@
           <a:p>
             <a:fld id="{46878720-212C-42BB-B356-99628BFE1EBF}" type="datetimeFigureOut">
               <a:rPr lang="en-US" smtClean="0"/>
-              <a:t>2/16/22</a:t>
+              <a:t>11/16/22</a:t>
             </a:fld>
             <a:endParaRPr lang="en-US"/>
           </a:p>
@@ -3547,7 +3547,7 @@
           <a:p>
             <a:fld id="{46878720-212C-42BB-B356-99628BFE1EBF}" type="datetimeFigureOut">
               <a:rPr lang="en-US" smtClean="0"/>
-              <a:t>2/16/22</a:t>
+              <a:t>11/16/22</a:t>
             </a:fld>
             <a:endParaRPr lang="en-US"/>
           </a:p>
@@ -3959,7 +3959,7 @@
           <a:p>
             <a:fld id="{46878720-212C-42BB-B356-99628BFE1EBF}" type="datetimeFigureOut">
               <a:rPr lang="en-US" smtClean="0"/>
-              <a:t>2/16/22</a:t>
+              <a:t>11/16/22</a:t>
             </a:fld>
             <a:endParaRPr lang="en-US"/>
           </a:p>
@@ -4100,7 +4100,7 @@
           <a:p>
             <a:fld id="{46878720-212C-42BB-B356-99628BFE1EBF}" type="datetimeFigureOut">
               <a:rPr lang="en-US" smtClean="0"/>
-              <a:t>2/16/22</a:t>
+              <a:t>11/16/22</a:t>
             </a:fld>
             <a:endParaRPr lang="en-US"/>
           </a:p>
@@ -4213,7 +4213,7 @@
           <a:p>
             <a:fld id="{46878720-212C-42BB-B356-99628BFE1EBF}" type="datetimeFigureOut">
               <a:rPr lang="en-US" smtClean="0"/>
-              <a:t>2/16/22</a:t>
+              <a:t>11/16/22</a:t>
             </a:fld>
             <a:endParaRPr lang="en-US"/>
           </a:p>
@@ -4524,7 +4524,7 @@
           <a:p>
             <a:fld id="{46878720-212C-42BB-B356-99628BFE1EBF}" type="datetimeFigureOut">
               <a:rPr lang="en-US" smtClean="0"/>
-              <a:t>2/16/22</a:t>
+              <a:t>11/16/22</a:t>
             </a:fld>
             <a:endParaRPr lang="en-US"/>
           </a:p>
@@ -4812,7 +4812,7 @@
           <a:p>
             <a:fld id="{46878720-212C-42BB-B356-99628BFE1EBF}" type="datetimeFigureOut">
               <a:rPr lang="en-US" smtClean="0"/>
-              <a:t>2/16/22</a:t>
+              <a:t>11/16/22</a:t>
             </a:fld>
             <a:endParaRPr lang="en-US"/>
           </a:p>
@@ -5053,7 +5053,7 @@
           <a:p>
             <a:fld id="{46878720-212C-42BB-B356-99628BFE1EBF}" type="datetimeFigureOut">
               <a:rPr lang="en-US" smtClean="0"/>
-              <a:t>2/16/22</a:t>
+              <a:t>11/16/22</a:t>
             </a:fld>
             <a:endParaRPr lang="en-US"/>
           </a:p>
@@ -9205,7 +9205,7 @@
         </p:spPr>
         <p:txBody>
           <a:bodyPr>
-            <a:normAutofit fontScale="92500" lnSpcReduction="10000"/>
+            <a:normAutofit fontScale="92500" lnSpcReduction="20000"/>
           </a:bodyPr>
           <a:lstStyle/>
           <a:p>
@@ -9243,16 +9243,13 @@
           <a:p>
             <a:r>
               <a:rPr lang="de-DE" dirty="0"/>
-              <a:t>Die </a:t>
-            </a:r>
-            <a:r>
-              <a:rPr lang="de-DE" dirty="0" err="1"/>
-              <a:t>Arduino</a:t>
-            </a:r>
-            <a:r>
-              <a:rPr lang="de-DE" dirty="0"/>
-              <a:t>-Sprache verwendet eine Untermenge von C/C++</a:t>
-            </a:r>
+              <a:t>Die Arduino-Sprache verwendet eine Untermenge von C/C++ und fügt eigene Funktionen und Wörter </a:t>
+            </a:r>
+            <a:r>
+              <a:rPr lang="de-DE"/>
+              <a:t>(Makros) hinzu</a:t>
+            </a:r>
+            <a:endParaRPr lang="de-DE" dirty="0"/>
           </a:p>
           <a:p>
             <a:endParaRPr lang="de-DE" dirty="0"/>
@@ -12976,12 +12973,9 @@
 </file>
 
 <file path=customXml/item1.xml><?xml version="1.0" encoding="utf-8"?>
-<?mso-contentType ?>
-<FormTemplates xmlns="http://schemas.microsoft.com/sharepoint/v3/contenttype/forms">
-  <Display>DocumentLibraryForm</Display>
-  <Edit>DocumentLibraryForm</Edit>
-  <New>DocumentLibraryForm</New>
-</FormTemplates>
+<p:properties xmlns:p="http://schemas.microsoft.com/office/2006/metadata/properties" xmlns:xsi="http://www.w3.org/2001/XMLSchema-instance" xmlns:pc="http://schemas.microsoft.com/office/infopath/2007/PartnerControls">
+  <documentManagement/>
+</p:properties>
 </file>
 
 <file path=customXml/item2.xml><?xml version="1.0" encoding="utf-8"?>
@@ -13202,15 +13196,27 @@
 </file>
 
 <file path=customXml/item3.xml><?xml version="1.0" encoding="utf-8"?>
-<p:properties xmlns:p="http://schemas.microsoft.com/office/2006/metadata/properties" xmlns:xsi="http://www.w3.org/2001/XMLSchema-instance" xmlns:pc="http://schemas.microsoft.com/office/infopath/2007/PartnerControls">
-  <documentManagement/>
-</p:properties>
+<?mso-contentType ?>
+<FormTemplates xmlns="http://schemas.microsoft.com/sharepoint/v3/contenttype/forms">
+  <Display>DocumentLibraryForm</Display>
+  <Edit>DocumentLibraryForm</Edit>
+  <New>DocumentLibraryForm</New>
+</FormTemplates>
 </file>
 
 <file path=customXml/itemProps1.xml><?xml version="1.0" encoding="utf-8"?>
-<ds:datastoreItem xmlns:ds="http://schemas.openxmlformats.org/officeDocument/2006/customXml" ds:itemID="{19285E5B-5F99-40AB-B4B4-B67FE3E29063}">
+<ds:datastoreItem xmlns:ds="http://schemas.openxmlformats.org/officeDocument/2006/customXml" ds:itemID="{68B22CCF-3790-4DAF-9B94-BBE8105DACDB}">
   <ds:schemaRefs>
-    <ds:schemaRef ds:uri="http://schemas.microsoft.com/sharepoint/v3/contenttype/forms"/>
+    <ds:schemaRef ds:uri="http://purl.org/dc/elements/1.1/"/>
+    <ds:schemaRef ds:uri="http://schemas.openxmlformats.org/package/2006/metadata/core-properties"/>
+    <ds:schemaRef ds:uri="http://schemas.microsoft.com/office/2006/documentManagement/types"/>
+    <ds:schemaRef ds:uri="7e0397fa-c04e-494e-b1f1-774ad14ae133"/>
+    <ds:schemaRef ds:uri="http://www.w3.org/XML/1998/namespace"/>
+    <ds:schemaRef ds:uri="http://schemas.microsoft.com/office/infopath/2007/PartnerControls"/>
+    <ds:schemaRef ds:uri="http://purl.org/dc/dcmitype/"/>
+    <ds:schemaRef ds:uri="8413540a-1bb6-4053-94a1-f89835fea1c0"/>
+    <ds:schemaRef ds:uri="http://schemas.microsoft.com/office/2006/metadata/properties"/>
+    <ds:schemaRef ds:uri="http://purl.org/dc/terms/"/>
   </ds:schemaRefs>
 </ds:datastoreItem>
 </file>
@@ -13235,18 +13241,9 @@
 </file>
 
 <file path=customXml/itemProps3.xml><?xml version="1.0" encoding="utf-8"?>
-<ds:datastoreItem xmlns:ds="http://schemas.openxmlformats.org/officeDocument/2006/customXml" ds:itemID="{68B22CCF-3790-4DAF-9B94-BBE8105DACDB}">
+<ds:datastoreItem xmlns:ds="http://schemas.openxmlformats.org/officeDocument/2006/customXml" ds:itemID="{19285E5B-5F99-40AB-B4B4-B67FE3E29063}">
   <ds:schemaRefs>
-    <ds:schemaRef ds:uri="http://purl.org/dc/elements/1.1/"/>
-    <ds:schemaRef ds:uri="http://schemas.openxmlformats.org/package/2006/metadata/core-properties"/>
-    <ds:schemaRef ds:uri="http://schemas.microsoft.com/office/2006/documentManagement/types"/>
-    <ds:schemaRef ds:uri="7e0397fa-c04e-494e-b1f1-774ad14ae133"/>
-    <ds:schemaRef ds:uri="http://www.w3.org/XML/1998/namespace"/>
-    <ds:schemaRef ds:uri="http://schemas.microsoft.com/office/infopath/2007/PartnerControls"/>
-    <ds:schemaRef ds:uri="http://purl.org/dc/dcmitype/"/>
-    <ds:schemaRef ds:uri="8413540a-1bb6-4053-94a1-f89835fea1c0"/>
-    <ds:schemaRef ds:uri="http://schemas.microsoft.com/office/2006/metadata/properties"/>
-    <ds:schemaRef ds:uri="http://purl.org/dc/terms/"/>
+    <ds:schemaRef ds:uri="http://schemas.microsoft.com/sharepoint/v3/contenttype/forms"/>
   </ds:schemaRefs>
 </ds:datastoreItem>
 </file>
--- a/Folien/Exkurs_Programmiersprache_C.pptx
+++ b/Folien/Exkurs_Programmiersprache_C.pptx
@@ -31,10 +31,10 @@
     <p:sldId id="329" r:id="rId25"/>
     <p:sldId id="331" r:id="rId26"/>
     <p:sldId id="332" r:id="rId27"/>
-    <p:sldId id="346" r:id="rId28"/>
-    <p:sldId id="347" r:id="rId29"/>
-    <p:sldId id="348" r:id="rId30"/>
-    <p:sldId id="330" r:id="rId31"/>
+    <p:sldId id="330" r:id="rId28"/>
+    <p:sldId id="352" r:id="rId29"/>
+    <p:sldId id="353" r:id="rId30"/>
+    <p:sldId id="354" r:id="rId31"/>
     <p:sldId id="333" r:id="rId32"/>
     <p:sldId id="349" r:id="rId33"/>
     <p:sldId id="350" r:id="rId34"/>
@@ -233,7 +233,7 @@
           <a:p>
             <a:fld id="{1111EAE3-0D17-7D4D-B5C8-7430D3A14508}" type="datetimeFigureOut">
               <a:rPr lang="en-US" smtClean="0"/>
-              <a:t>3/5/23</a:t>
+              <a:t>3/12/23</a:t>
             </a:fld>
             <a:endParaRPr lang="en-US"/>
           </a:p>
@@ -1967,17 +1967,63 @@
           <a:lstStyle/>
           <a:p>
             <a:r>
-              <a:rPr lang="de-DE"/>
-              <a:t>Do not modify the notes in this section to avoid tampering with the Poll Everywhere activity.
-More info at polleverywhere.com/support
-Welche Aussagen beschreiben korrekte Literale für Variablen vom Typ int, float und boolean in C/C++?</a:t>
-            </a:r>
-          </a:p>
-          <a:p>
-            <a:r>
-              <a:rPr lang="de-DE"/>
-              <a:t>https://www.polleverywhere.com/multiple_choice_polls/haUk20JPI1A8KAjUEnyEX?display_state=instructions&amp;activity_state=opened&amp;state=opened&amp;flow=Instructor&amp;onscreen=persist</a:t>
-            </a:r>
+              <a:rPr lang="de-DE" dirty="0"/>
+              <a:t>https://</a:t>
+            </a:r>
+            <a:r>
+              <a:rPr lang="de-DE" dirty="0" err="1"/>
+              <a:t>github.com</a:t>
+            </a:r>
+            <a:r>
+              <a:rPr lang="de-DE" dirty="0"/>
+              <a:t>/</a:t>
+            </a:r>
+            <a:r>
+              <a:rPr lang="de-DE" dirty="0" err="1"/>
+              <a:t>arduino</a:t>
+            </a:r>
+            <a:r>
+              <a:rPr lang="de-DE" dirty="0"/>
+              <a:t>/</a:t>
+            </a:r>
+            <a:r>
+              <a:rPr lang="de-DE" dirty="0" err="1"/>
+              <a:t>ArduinoCore-avr</a:t>
+            </a:r>
+            <a:r>
+              <a:rPr lang="de-DE" dirty="0"/>
+              <a:t>/</a:t>
+            </a:r>
+            <a:r>
+              <a:rPr lang="de-DE" dirty="0" err="1"/>
+              <a:t>blob</a:t>
+            </a:r>
+            <a:r>
+              <a:rPr lang="de-DE" dirty="0"/>
+              <a:t>/9f8d27f09f3bbd1da1374b5549a82bda55d45d44/</a:t>
+            </a:r>
+            <a:r>
+              <a:rPr lang="de-DE" dirty="0" err="1"/>
+              <a:t>variants</a:t>
+            </a:r>
+            <a:r>
+              <a:rPr lang="de-DE" dirty="0"/>
+              <a:t>/</a:t>
+            </a:r>
+            <a:r>
+              <a:rPr lang="de-DE" dirty="0" err="1"/>
+              <a:t>standard</a:t>
+            </a:r>
+            <a:r>
+              <a:rPr lang="de-DE" dirty="0"/>
+              <a:t>/pins_arduino.h#L54</a:t>
+            </a:r>
+          </a:p>
+          <a:p>
+            <a:endParaRPr lang="de-DE" dirty="0"/>
+          </a:p>
+          <a:p>
+            <a:endParaRPr lang="de-DE" dirty="0"/>
           </a:p>
         </p:txBody>
       </p:sp>
@@ -2007,7 +2053,7 @@
     </p:spTree>
     <p:extLst>
       <p:ext uri="{BB962C8B-B14F-4D97-AF65-F5344CB8AC3E}">
-        <p14:creationId xmlns:p14="http://schemas.microsoft.com/office/powerpoint/2010/main" val="754859883"/>
+        <p14:creationId xmlns:p14="http://schemas.microsoft.com/office/powerpoint/2010/main" val="779380451"/>
       </p:ext>
     </p:extLst>
   </p:cSld>
@@ -2065,13 +2111,13 @@
               <a:rPr lang="de-DE"/>
               <a:t>Do not modify the notes in this section to avoid tampering with the Poll Everywhere activity.
 More info at polleverywhere.com/support
-Welche Aussagen beschreiben korrekte Literale für Variablen vom Typ int, float und boolean in C/C++?</a:t>
+Welche Aussagen beschreiben korrekte Literale für Variablen vom Typ int, float und bool in C/C++? (Ignoriere die Anführungszeichen)</a:t>
             </a:r>
           </a:p>
           <a:p>
             <a:r>
               <a:rPr lang="de-DE"/>
-              <a:t>https://www.polleverywhere.com/multiple_choice_polls/haUk20JPI1A8KAjUEnyEX?display_state=chart&amp;activity_state=closed&amp;state=closed&amp;flow=Instructor&amp;onscreen=persist</a:t>
+              <a:t>https://www.polleverywhere.com/multiple_choice_polls/haUk20JPI1A8KAjUEnyEX?display_state=instructions&amp;activity_state=opened&amp;state=opened&amp;flow=Instructor&amp;onscreen=persist</a:t>
             </a:r>
           </a:p>
         </p:txBody>
@@ -2102,7 +2148,7 @@
     </p:spTree>
     <p:extLst>
       <p:ext uri="{BB962C8B-B14F-4D97-AF65-F5344CB8AC3E}">
-        <p14:creationId xmlns:p14="http://schemas.microsoft.com/office/powerpoint/2010/main" val="1701835717"/>
+        <p14:creationId xmlns:p14="http://schemas.microsoft.com/office/powerpoint/2010/main" val="2332603195"/>
       </p:ext>
     </p:extLst>
   </p:cSld>
@@ -2160,13 +2206,13 @@
               <a:rPr lang="de-DE"/>
               <a:t>Do not modify the notes in this section to avoid tampering with the Poll Everywhere activity.
 More info at polleverywhere.com/support
-Welche Aussagen beschreiben korrekte Literale für Variablen vom Typ int, float und boolean in C/C++?</a:t>
+Welche Aussagen beschreiben korrekte Literale für Variablen vom Typ int, float und bool in C/C++? (Ignoriere die Anführungszeichen)</a:t>
             </a:r>
           </a:p>
           <a:p>
             <a:r>
               <a:rPr lang="de-DE"/>
-              <a:t>https://www.polleverywhere.com/multiple_choice_polls/haUk20JPI1A8KAjUEnyEX?display_state=chart&amp;activity_state=closed&amp;display=correctness&amp;state=closed&amp;flow=Instructor&amp;onscreen=persist</a:t>
+              <a:t>https://www.polleverywhere.com/multiple_choice_polls/haUk20JPI1A8KAjUEnyEX?display_state=chart&amp;activity_state=closed&amp;state=closed&amp;flow=Instructor&amp;onscreen=persist</a:t>
             </a:r>
           </a:p>
         </p:txBody>
@@ -2197,7 +2243,7 @@
     </p:spTree>
     <p:extLst>
       <p:ext uri="{BB962C8B-B14F-4D97-AF65-F5344CB8AC3E}">
-        <p14:creationId xmlns:p14="http://schemas.microsoft.com/office/powerpoint/2010/main" val="2924742647"/>
+        <p14:creationId xmlns:p14="http://schemas.microsoft.com/office/powerpoint/2010/main" val="2582465263"/>
       </p:ext>
     </p:extLst>
   </p:cSld>
@@ -2252,63 +2298,17 @@
           <a:lstStyle/>
           <a:p>
             <a:r>
-              <a:rPr lang="de-DE" dirty="0"/>
-              <a:t>https://</a:t>
-            </a:r>
-            <a:r>
-              <a:rPr lang="de-DE" dirty="0" err="1"/>
-              <a:t>github.com</a:t>
-            </a:r>
-            <a:r>
-              <a:rPr lang="de-DE" dirty="0"/>
-              <a:t>/</a:t>
-            </a:r>
-            <a:r>
-              <a:rPr lang="de-DE" dirty="0" err="1"/>
-              <a:t>arduino</a:t>
-            </a:r>
-            <a:r>
-              <a:rPr lang="de-DE" dirty="0"/>
-              <a:t>/</a:t>
-            </a:r>
-            <a:r>
-              <a:rPr lang="de-DE" dirty="0" err="1"/>
-              <a:t>ArduinoCore-avr</a:t>
-            </a:r>
-            <a:r>
-              <a:rPr lang="de-DE" dirty="0"/>
-              <a:t>/</a:t>
-            </a:r>
-            <a:r>
-              <a:rPr lang="de-DE" dirty="0" err="1"/>
-              <a:t>blob</a:t>
-            </a:r>
-            <a:r>
-              <a:rPr lang="de-DE" dirty="0"/>
-              <a:t>/9f8d27f09f3bbd1da1374b5549a82bda55d45d44/</a:t>
-            </a:r>
-            <a:r>
-              <a:rPr lang="de-DE" dirty="0" err="1"/>
-              <a:t>variants</a:t>
-            </a:r>
-            <a:r>
-              <a:rPr lang="de-DE" dirty="0"/>
-              <a:t>/</a:t>
-            </a:r>
-            <a:r>
-              <a:rPr lang="de-DE" dirty="0" err="1"/>
-              <a:t>standard</a:t>
-            </a:r>
-            <a:r>
-              <a:rPr lang="de-DE" dirty="0"/>
-              <a:t>/pins_arduino.h#L54</a:t>
-            </a:r>
-          </a:p>
-          <a:p>
-            <a:endParaRPr lang="de-DE" dirty="0"/>
-          </a:p>
-          <a:p>
-            <a:endParaRPr lang="de-DE" dirty="0"/>
+              <a:rPr lang="de-DE"/>
+              <a:t>Do not modify the notes in this section to avoid tampering with the Poll Everywhere activity.
+More info at polleverywhere.com/support
+Welche Aussagen beschreiben korrekte Literale für Variablen vom Typ int, float und bool in C/C++? (Ignoriere die Anführungszeichen)</a:t>
+            </a:r>
+          </a:p>
+          <a:p>
+            <a:r>
+              <a:rPr lang="de-DE"/>
+              <a:t>https://www.polleverywhere.com/multiple_choice_polls/haUk20JPI1A8KAjUEnyEX?display_state=chart&amp;activity_state=closed&amp;display=correctness&amp;state=closed&amp;flow=Instructor&amp;onscreen=persist</a:t>
+            </a:r>
           </a:p>
         </p:txBody>
       </p:sp>
@@ -2338,7 +2338,7 @@
     </p:spTree>
     <p:extLst>
       <p:ext uri="{BB962C8B-B14F-4D97-AF65-F5344CB8AC3E}">
-        <p14:creationId xmlns:p14="http://schemas.microsoft.com/office/powerpoint/2010/main" val="779380451"/>
+        <p14:creationId xmlns:p14="http://schemas.microsoft.com/office/powerpoint/2010/main" val="1208087094"/>
       </p:ext>
     </p:extLst>
   </p:cSld>
@@ -3843,7 +3843,7 @@
           <a:p>
             <a:fld id="{46878720-212C-42BB-B356-99628BFE1EBF}" type="datetimeFigureOut">
               <a:rPr lang="en-US" smtClean="0"/>
-              <a:t>3/5/23</a:t>
+              <a:t>3/12/23</a:t>
             </a:fld>
             <a:endParaRPr lang="en-US"/>
           </a:p>
@@ -4041,7 +4041,7 @@
           <a:p>
             <a:fld id="{46878720-212C-42BB-B356-99628BFE1EBF}" type="datetimeFigureOut">
               <a:rPr lang="en-US" smtClean="0"/>
-              <a:t>3/5/23</a:t>
+              <a:t>3/12/23</a:t>
             </a:fld>
             <a:endParaRPr lang="en-US"/>
           </a:p>
@@ -4249,7 +4249,7 @@
           <a:p>
             <a:fld id="{46878720-212C-42BB-B356-99628BFE1EBF}" type="datetimeFigureOut">
               <a:rPr lang="en-US" smtClean="0"/>
-              <a:t>3/5/23</a:t>
+              <a:t>3/12/23</a:t>
             </a:fld>
             <a:endParaRPr lang="en-US"/>
           </a:p>
@@ -4447,7 +4447,7 @@
           <a:p>
             <a:fld id="{46878720-212C-42BB-B356-99628BFE1EBF}" type="datetimeFigureOut">
               <a:rPr lang="en-US" smtClean="0"/>
-              <a:t>3/5/23</a:t>
+              <a:t>3/12/23</a:t>
             </a:fld>
             <a:endParaRPr lang="en-US"/>
           </a:p>
@@ -4722,7 +4722,7 @@
           <a:p>
             <a:fld id="{46878720-212C-42BB-B356-99628BFE1EBF}" type="datetimeFigureOut">
               <a:rPr lang="en-US" smtClean="0"/>
-              <a:t>3/5/23</a:t>
+              <a:t>3/12/23</a:t>
             </a:fld>
             <a:endParaRPr lang="en-US"/>
           </a:p>
@@ -4987,7 +4987,7 @@
           <a:p>
             <a:fld id="{46878720-212C-42BB-B356-99628BFE1EBF}" type="datetimeFigureOut">
               <a:rPr lang="en-US" smtClean="0"/>
-              <a:t>3/5/23</a:t>
+              <a:t>3/12/23</a:t>
             </a:fld>
             <a:endParaRPr lang="en-US"/>
           </a:p>
@@ -5399,7 +5399,7 @@
           <a:p>
             <a:fld id="{46878720-212C-42BB-B356-99628BFE1EBF}" type="datetimeFigureOut">
               <a:rPr lang="en-US" smtClean="0"/>
-              <a:t>3/5/23</a:t>
+              <a:t>3/12/23</a:t>
             </a:fld>
             <a:endParaRPr lang="en-US"/>
           </a:p>
@@ -5540,7 +5540,7 @@
           <a:p>
             <a:fld id="{46878720-212C-42BB-B356-99628BFE1EBF}" type="datetimeFigureOut">
               <a:rPr lang="en-US" smtClean="0"/>
-              <a:t>3/5/23</a:t>
+              <a:t>3/12/23</a:t>
             </a:fld>
             <a:endParaRPr lang="en-US"/>
           </a:p>
@@ -5653,7 +5653,7 @@
           <a:p>
             <a:fld id="{46878720-212C-42BB-B356-99628BFE1EBF}" type="datetimeFigureOut">
               <a:rPr lang="en-US" smtClean="0"/>
-              <a:t>3/5/23</a:t>
+              <a:t>3/12/23</a:t>
             </a:fld>
             <a:endParaRPr lang="en-US"/>
           </a:p>
@@ -5964,7 +5964,7 @@
           <a:p>
             <a:fld id="{46878720-212C-42BB-B356-99628BFE1EBF}" type="datetimeFigureOut">
               <a:rPr lang="en-US" smtClean="0"/>
-              <a:t>3/5/23</a:t>
+              <a:t>3/12/23</a:t>
             </a:fld>
             <a:endParaRPr lang="en-US"/>
           </a:p>
@@ -6252,7 +6252,7 @@
           <a:p>
             <a:fld id="{46878720-212C-42BB-B356-99628BFE1EBF}" type="datetimeFigureOut">
               <a:rPr lang="en-US" smtClean="0"/>
-              <a:t>3/5/23</a:t>
+              <a:t>3/12/23</a:t>
             </a:fld>
             <a:endParaRPr lang="en-US"/>
           </a:p>
@@ -6493,7 +6493,7 @@
           <a:p>
             <a:fld id="{46878720-212C-42BB-B356-99628BFE1EBF}" type="datetimeFigureOut">
               <a:rPr lang="en-US" smtClean="0"/>
-              <a:t>3/5/23</a:t>
+              <a:t>3/12/23</a:t>
             </a:fld>
             <a:endParaRPr lang="en-US"/>
           </a:p>
@@ -10840,6 +10840,40 @@
           </a:prstGeom>
         </p:spPr>
       </p:pic>
+      <p:sp>
+        <p:nvSpPr>
+          <p:cNvPr id="5" name="Textfeld 4">
+            <a:extLst>
+              <a:ext uri="{FF2B5EF4-FFF2-40B4-BE49-F238E27FC236}">
+                <a16:creationId xmlns:a16="http://schemas.microsoft.com/office/drawing/2014/main" id="{2EBCDE3D-F018-603A-7514-156348DDC2E7}"/>
+              </a:ext>
+            </a:extLst>
+          </p:cNvPr>
+          <p:cNvSpPr txBox="1"/>
+          <p:nvPr/>
+        </p:nvSpPr>
+        <p:spPr>
+          <a:xfrm>
+            <a:off x="1248936" y="6247743"/>
+            <a:ext cx="501805" cy="479503"/>
+          </a:xfrm>
+          <a:prstGeom prst="rect">
+            <a:avLst/>
+          </a:prstGeom>
+          <a:solidFill>
+            <a:schemeClr val="bg1"/>
+          </a:solidFill>
+        </p:spPr>
+        <p:txBody>
+          <a:bodyPr wrap="square" rtlCol="0">
+            <a:spAutoFit/>
+          </a:bodyPr>
+          <a:lstStyle/>
+          <a:p>
+            <a:endParaRPr lang="de-DE" dirty="0"/>
+          </a:p>
+        </p:txBody>
+      </p:sp>
     </p:spTree>
     <p:extLst>
       <p:ext uri="{BB962C8B-B14F-4D97-AF65-F5344CB8AC3E}">
@@ -11298,7 +11332,7 @@
           <p:cNvPr id="2" name="Titel 1">
             <a:extLst>
               <a:ext uri="{FF2B5EF4-FFF2-40B4-BE49-F238E27FC236}">
-                <a16:creationId xmlns:a16="http://schemas.microsoft.com/office/drawing/2014/main" id="{24644CFC-D686-AD20-2BC3-15BAEA69DE56}"/>
+                <a16:creationId xmlns:a16="http://schemas.microsoft.com/office/drawing/2014/main" id="{A8787DDE-7AB7-8741-95DD-5C1275B2E1CD}"/>
               </a:ext>
             </a:extLst>
           </p:cNvPr>
@@ -11306,7 +11340,7 @@
             <a:spLocks noGrp="1"/>
           </p:cNvSpPr>
           <p:nvPr>
-            <p:ph type="ctrTitle"/>
+            <p:ph type="title"/>
           </p:nvPr>
         </p:nvSpPr>
         <p:spPr/>
@@ -11314,16 +11348,19 @@
           <a:bodyPr/>
           <a:lstStyle/>
           <a:p>
-            <a:endParaRPr lang="de-DE"/>
-          </a:p>
-        </p:txBody>
-      </p:sp>
-      <p:sp>
-        <p:nvSpPr>
-          <p:cNvPr id="3" name="Untertitel 2">
-            <a:extLst>
-              <a:ext uri="{FF2B5EF4-FFF2-40B4-BE49-F238E27FC236}">
-                <a16:creationId xmlns:a16="http://schemas.microsoft.com/office/drawing/2014/main" id="{3C14D78E-606E-DFC0-DA12-61F280AA3B71}"/>
+            <a:r>
+              <a:rPr lang="de-DE" dirty="0"/>
+              <a:t>Konstante Variablen und Definitionen</a:t>
+            </a:r>
+          </a:p>
+        </p:txBody>
+      </p:sp>
+      <p:sp>
+        <p:nvSpPr>
+          <p:cNvPr id="3" name="Inhaltsplatzhalter 2">
+            <a:extLst>
+              <a:ext uri="{FF2B5EF4-FFF2-40B4-BE49-F238E27FC236}">
+                <a16:creationId xmlns:a16="http://schemas.microsoft.com/office/drawing/2014/main" id="{19E6DC5C-A2BD-0D41-B7D5-A4565CAD9B66}"/>
               </a:ext>
             </a:extLst>
           </p:cNvPr>
@@ -11331,48 +11368,139 @@
             <a:spLocks noGrp="1"/>
           </p:cNvSpPr>
           <p:nvPr>
-            <p:ph type="subTitle" idx="1"/>
-          </p:nvPr>
-        </p:nvSpPr>
-        <p:spPr/>
-        <p:txBody>
-          <a:bodyPr/>
-          <a:lstStyle/>
-          <a:p>
-            <a:endParaRPr lang="de-DE"/>
+            <p:ph idx="1"/>
+          </p:nvPr>
+        </p:nvSpPr>
+        <p:spPr>
+          <a:xfrm>
+            <a:off x="838200" y="1825625"/>
+            <a:ext cx="4524632" cy="4351338"/>
+          </a:xfrm>
+        </p:spPr>
+        <p:txBody>
+          <a:bodyPr>
+            <a:normAutofit fontScale="92500" lnSpcReduction="10000"/>
+          </a:bodyPr>
+          <a:lstStyle/>
+          <a:p>
+            <a:r>
+              <a:rPr lang="de-DE" dirty="0"/>
+              <a:t>Können ihren Wert nicht ändern</a:t>
+            </a:r>
+          </a:p>
+          <a:p>
+            <a:r>
+              <a:rPr lang="de-DE" dirty="0"/>
+              <a:t>Werden verwendet um häufig vorkommende Werte mit einem sprechenden Namen zu versehen</a:t>
+            </a:r>
+          </a:p>
+          <a:p>
+            <a:r>
+              <a:rPr lang="de-DE" dirty="0"/>
+              <a:t>Werden per Konvention oft komplett groß geschrieben</a:t>
+            </a:r>
+          </a:p>
+          <a:p>
+            <a:r>
+              <a:rPr lang="de-DE" dirty="0"/>
+              <a:t>Die </a:t>
+            </a:r>
+            <a:r>
+              <a:rPr lang="de-DE" dirty="0" err="1"/>
+              <a:t>Arduino</a:t>
+            </a:r>
+            <a:r>
+              <a:rPr lang="de-DE" dirty="0"/>
+              <a:t> Plattform hat viele Konstanten vordefiniert (</a:t>
+            </a:r>
+            <a:r>
+              <a:rPr lang="de-DE" dirty="0">
+                <a:hlinkClick r:id="rId3"/>
+              </a:rPr>
+              <a:t>https://</a:t>
+            </a:r>
+            <a:r>
+              <a:rPr lang="de-DE" dirty="0" err="1">
+                <a:hlinkClick r:id="rId3"/>
+              </a:rPr>
+              <a:t>www.arduino.cc</a:t>
+            </a:r>
+            <a:r>
+              <a:rPr lang="de-DE" dirty="0">
+                <a:hlinkClick r:id="rId3"/>
+              </a:rPr>
+              <a:t>/</a:t>
+            </a:r>
+            <a:r>
+              <a:rPr lang="de-DE" dirty="0" err="1">
+                <a:hlinkClick r:id="rId3"/>
+              </a:rPr>
+              <a:t>reference</a:t>
+            </a:r>
+            <a:r>
+              <a:rPr lang="de-DE" dirty="0">
+                <a:hlinkClick r:id="rId3"/>
+              </a:rPr>
+              <a:t>/de/)</a:t>
+            </a:r>
+            <a:endParaRPr lang="de-DE" dirty="0"/>
           </a:p>
         </p:txBody>
       </p:sp>
       <p:pic>
         <p:nvPicPr>
-          <p:cNvPr id="5" name="slide.url=https://www.polleverywhere.com/multiple_choice_polls/haUk20JPI1A8KAjUEnyEX?display_state=instructions&amp;activity_state=opened&amp;state=opened&amp;flow=Instructor&amp;onscreen=persist">
-            <a:extLst>
-              <a:ext uri="{FF2B5EF4-FFF2-40B4-BE49-F238E27FC236}">
-                <a16:creationId xmlns:a16="http://schemas.microsoft.com/office/drawing/2014/main" id="{0FAC2C35-B21A-B8A8-08A0-29F9AD391D68}"/>
+          <p:cNvPr id="4" name="Grafik 3">
+            <a:extLst>
+              <a:ext uri="{FF2B5EF4-FFF2-40B4-BE49-F238E27FC236}">
+                <a16:creationId xmlns:a16="http://schemas.microsoft.com/office/drawing/2014/main" id="{51DACA49-6FA4-CA44-B9F9-99A71A25C087}"/>
               </a:ext>
             </a:extLst>
           </p:cNvPr>
           <p:cNvPicPr>
-            <a:picLocks/>
+            <a:picLocks noChangeAspect="1"/>
           </p:cNvPicPr>
           <p:nvPr/>
         </p:nvPicPr>
         <p:blipFill>
-          <a:blip r:embed="rId3">
-            <a:extLst>
-              <a:ext uri="{28A0092B-C50C-407E-A947-70E740481C1C}">
-                <a14:useLocalDpi xmlns:a14="http://schemas.microsoft.com/office/drawing/2010/main" val="0"/>
-              </a:ext>
-            </a:extLst>
-          </a:blip>
+          <a:blip r:embed="rId4"/>
           <a:stretch>
             <a:fillRect/>
           </a:stretch>
         </p:blipFill>
         <p:spPr>
           <a:xfrm>
-            <a:off x="63500" y="63500"/>
-            <a:ext cx="12065000" cy="6731000"/>
+            <a:off x="5457396" y="1690688"/>
+            <a:ext cx="5651500" cy="2781300"/>
+          </a:xfrm>
+          <a:prstGeom prst="rect">
+            <a:avLst/>
+          </a:prstGeom>
+        </p:spPr>
+      </p:pic>
+      <p:pic>
+        <p:nvPicPr>
+          <p:cNvPr id="5" name="Grafik 4">
+            <a:extLst>
+              <a:ext uri="{FF2B5EF4-FFF2-40B4-BE49-F238E27FC236}">
+                <a16:creationId xmlns:a16="http://schemas.microsoft.com/office/drawing/2014/main" id="{B7033FD7-0827-734A-801B-9473CEEF8B3E}"/>
+              </a:ext>
+            </a:extLst>
+          </p:cNvPr>
+          <p:cNvPicPr>
+            <a:picLocks noChangeAspect="1"/>
+          </p:cNvPicPr>
+          <p:nvPr/>
+        </p:nvPicPr>
+        <p:blipFill>
+          <a:blip r:embed="rId5"/>
+          <a:stretch>
+            <a:fillRect/>
+          </a:stretch>
+        </p:blipFill>
+        <p:spPr>
+          <a:xfrm>
+            <a:off x="5761338" y="4750552"/>
+            <a:ext cx="3733800" cy="1485900"/>
           </a:xfrm>
           <a:prstGeom prst="rect">
             <a:avLst/>
@@ -11382,7 +11510,7 @@
     </p:spTree>
     <p:extLst>
       <p:ext uri="{BB962C8B-B14F-4D97-AF65-F5344CB8AC3E}">
-        <p14:creationId xmlns:p14="http://schemas.microsoft.com/office/powerpoint/2010/main" val="766458939"/>
+        <p14:creationId xmlns:p14="http://schemas.microsoft.com/office/powerpoint/2010/main" val="3117359668"/>
       </p:ext>
     </p:extLst>
   </p:cSld>
@@ -11414,7 +11542,7 @@
           <p:cNvPr id="2" name="Titel 1">
             <a:extLst>
               <a:ext uri="{FF2B5EF4-FFF2-40B4-BE49-F238E27FC236}">
-                <a16:creationId xmlns:a16="http://schemas.microsoft.com/office/drawing/2014/main" id="{307E8BDD-5FA0-382C-5F0F-9FBE180BA4B3}"/>
+                <a16:creationId xmlns:a16="http://schemas.microsoft.com/office/drawing/2014/main" id="{90973A27-DB26-DC32-FF00-2E66D0C61BEA}"/>
               </a:ext>
             </a:extLst>
           </p:cNvPr>
@@ -11439,7 +11567,7 @@
           <p:cNvPr id="3" name="Untertitel 2">
             <a:extLst>
               <a:ext uri="{FF2B5EF4-FFF2-40B4-BE49-F238E27FC236}">
-                <a16:creationId xmlns:a16="http://schemas.microsoft.com/office/drawing/2014/main" id="{F05029F0-18BC-B32C-5EC2-6A0ACA456F45}"/>
+                <a16:creationId xmlns:a16="http://schemas.microsoft.com/office/drawing/2014/main" id="{646BBAC7-39D9-5211-1407-DE76EA285AF7}"/>
               </a:ext>
             </a:extLst>
           </p:cNvPr>
@@ -11461,10 +11589,10 @@
       </p:sp>
       <p:pic>
         <p:nvPicPr>
-          <p:cNvPr id="5" name="slide.url=https://www.polleverywhere.com/multiple_choice_polls/haUk20JPI1A8KAjUEnyEX?display_state=chart&amp;activity_state=closed&amp;state=closed&amp;flow=Instructor&amp;onscreen=persist">
-            <a:extLst>
-              <a:ext uri="{FF2B5EF4-FFF2-40B4-BE49-F238E27FC236}">
-                <a16:creationId xmlns:a16="http://schemas.microsoft.com/office/drawing/2014/main" id="{B4E6EC41-F8A6-6268-928C-A20C72915F94}"/>
+          <p:cNvPr id="5" name="slide.url=https://www.polleverywhere.com/multiple_choice_polls/haUk20JPI1A8KAjUEnyEX?display_state=instructions&amp;activity_state=opened&amp;state=opened&amp;flow=Instructor&amp;onscreen=persist">
+            <a:extLst>
+              <a:ext uri="{FF2B5EF4-FFF2-40B4-BE49-F238E27FC236}">
+                <a16:creationId xmlns:a16="http://schemas.microsoft.com/office/drawing/2014/main" id="{39382762-F165-EE0A-2DEB-3DE354D4C909}"/>
               </a:ext>
             </a:extLst>
           </p:cNvPr>
@@ -11498,7 +11626,7 @@
     </p:spTree>
     <p:extLst>
       <p:ext uri="{BB962C8B-B14F-4D97-AF65-F5344CB8AC3E}">
-        <p14:creationId xmlns:p14="http://schemas.microsoft.com/office/powerpoint/2010/main" val="3638130301"/>
+        <p14:creationId xmlns:p14="http://schemas.microsoft.com/office/powerpoint/2010/main" val="1757903334"/>
       </p:ext>
     </p:extLst>
   </p:cSld>
@@ -11530,7 +11658,7 @@
           <p:cNvPr id="2" name="Titel 1">
             <a:extLst>
               <a:ext uri="{FF2B5EF4-FFF2-40B4-BE49-F238E27FC236}">
-                <a16:creationId xmlns:a16="http://schemas.microsoft.com/office/drawing/2014/main" id="{1A624BB1-EB12-61E0-8321-3E16A2CAECB3}"/>
+                <a16:creationId xmlns:a16="http://schemas.microsoft.com/office/drawing/2014/main" id="{89D1A66D-0738-DC3F-1E0A-F92D365ECA7C}"/>
               </a:ext>
             </a:extLst>
           </p:cNvPr>
@@ -11555,7 +11683,7 @@
           <p:cNvPr id="3" name="Untertitel 2">
             <a:extLst>
               <a:ext uri="{FF2B5EF4-FFF2-40B4-BE49-F238E27FC236}">
-                <a16:creationId xmlns:a16="http://schemas.microsoft.com/office/drawing/2014/main" id="{FD047042-7C41-4D96-C2CD-F8D331852712}"/>
+                <a16:creationId xmlns:a16="http://schemas.microsoft.com/office/drawing/2014/main" id="{6CB9541E-803C-3C70-EC0E-0E98FFC293B8}"/>
               </a:ext>
             </a:extLst>
           </p:cNvPr>
@@ -11577,10 +11705,10 @@
       </p:sp>
       <p:pic>
         <p:nvPicPr>
-          <p:cNvPr id="5" name="slide.url=https://www.polleverywhere.com/multiple_choice_polls/haUk20JPI1A8KAjUEnyEX?display_state=chart&amp;activity_state=closed&amp;display=correctness&amp;state=closed&amp;flow=Instructor&amp;onscreen=persist">
-            <a:extLst>
-              <a:ext uri="{FF2B5EF4-FFF2-40B4-BE49-F238E27FC236}">
-                <a16:creationId xmlns:a16="http://schemas.microsoft.com/office/drawing/2014/main" id="{CDA0E268-9F72-06F6-497B-621FB20A5C7F}"/>
+          <p:cNvPr id="5" name="slide.url=https://www.polleverywhere.com/multiple_choice_polls/haUk20JPI1A8KAjUEnyEX?display_state=chart&amp;activity_state=closed&amp;state=closed&amp;flow=Instructor&amp;onscreen=persist">
+            <a:extLst>
+              <a:ext uri="{FF2B5EF4-FFF2-40B4-BE49-F238E27FC236}">
+                <a16:creationId xmlns:a16="http://schemas.microsoft.com/office/drawing/2014/main" id="{64ED8E8B-D979-77F3-E527-C64C59E749E0}"/>
               </a:ext>
             </a:extLst>
           </p:cNvPr>
@@ -11614,7 +11742,7 @@
     </p:spTree>
     <p:extLst>
       <p:ext uri="{BB962C8B-B14F-4D97-AF65-F5344CB8AC3E}">
-        <p14:creationId xmlns:p14="http://schemas.microsoft.com/office/powerpoint/2010/main" val="2967652232"/>
+        <p14:creationId xmlns:p14="http://schemas.microsoft.com/office/powerpoint/2010/main" val="1525281022"/>
       </p:ext>
     </p:extLst>
   </p:cSld>
@@ -11646,7 +11774,7 @@
           <p:cNvPr id="2" name="Titel 1">
             <a:extLst>
               <a:ext uri="{FF2B5EF4-FFF2-40B4-BE49-F238E27FC236}">
-                <a16:creationId xmlns:a16="http://schemas.microsoft.com/office/drawing/2014/main" id="{A8787DDE-7AB7-8741-95DD-5C1275B2E1CD}"/>
+                <a16:creationId xmlns:a16="http://schemas.microsoft.com/office/drawing/2014/main" id="{BD57E2E7-3B46-0A91-A9E0-60A26FDB67A7}"/>
               </a:ext>
             </a:extLst>
           </p:cNvPr>
@@ -11654,7 +11782,7 @@
             <a:spLocks noGrp="1"/>
           </p:cNvSpPr>
           <p:nvPr>
-            <p:ph type="title"/>
+            <p:ph type="ctrTitle"/>
           </p:nvPr>
         </p:nvSpPr>
         <p:spPr/>
@@ -11662,19 +11790,16 @@
           <a:bodyPr/>
           <a:lstStyle/>
           <a:p>
-            <a:r>
-              <a:rPr lang="de-DE" dirty="0"/>
-              <a:t>Konstante Variablen und Definitionen</a:t>
-            </a:r>
-          </a:p>
-        </p:txBody>
-      </p:sp>
-      <p:sp>
-        <p:nvSpPr>
-          <p:cNvPr id="3" name="Inhaltsplatzhalter 2">
-            <a:extLst>
-              <a:ext uri="{FF2B5EF4-FFF2-40B4-BE49-F238E27FC236}">
-                <a16:creationId xmlns:a16="http://schemas.microsoft.com/office/drawing/2014/main" id="{19E6DC5C-A2BD-0D41-B7D5-A4565CAD9B66}"/>
+            <a:endParaRPr lang="de-DE"/>
+          </a:p>
+        </p:txBody>
+      </p:sp>
+      <p:sp>
+        <p:nvSpPr>
+          <p:cNvPr id="3" name="Untertitel 2">
+            <a:extLst>
+              <a:ext uri="{FF2B5EF4-FFF2-40B4-BE49-F238E27FC236}">
+                <a16:creationId xmlns:a16="http://schemas.microsoft.com/office/drawing/2014/main" id="{6EA95338-186A-055B-763D-EA495B296FC3}"/>
               </a:ext>
             </a:extLst>
           </p:cNvPr>
@@ -11682,139 +11807,48 @@
             <a:spLocks noGrp="1"/>
           </p:cNvSpPr>
           <p:nvPr>
-            <p:ph idx="1"/>
-          </p:nvPr>
-        </p:nvSpPr>
-        <p:spPr>
-          <a:xfrm>
-            <a:off x="838200" y="1825625"/>
-            <a:ext cx="4524632" cy="4351338"/>
-          </a:xfrm>
-        </p:spPr>
-        <p:txBody>
-          <a:bodyPr>
-            <a:normAutofit fontScale="92500" lnSpcReduction="10000"/>
-          </a:bodyPr>
-          <a:lstStyle/>
-          <a:p>
-            <a:r>
-              <a:rPr lang="de-DE" dirty="0"/>
-              <a:t>Können ihren Wert nicht ändern</a:t>
-            </a:r>
-          </a:p>
-          <a:p>
-            <a:r>
-              <a:rPr lang="de-DE" dirty="0"/>
-              <a:t>Werden verwendet um häufig vorkommende Werte mit einem sprechenden Namen zu versehen</a:t>
-            </a:r>
-          </a:p>
-          <a:p>
-            <a:r>
-              <a:rPr lang="de-DE" dirty="0"/>
-              <a:t>Werden per Konvention oft komplett groß geschrieben</a:t>
-            </a:r>
-          </a:p>
-          <a:p>
-            <a:r>
-              <a:rPr lang="de-DE" dirty="0"/>
-              <a:t>Die </a:t>
-            </a:r>
-            <a:r>
-              <a:rPr lang="de-DE" dirty="0" err="1"/>
-              <a:t>Arduino</a:t>
-            </a:r>
-            <a:r>
-              <a:rPr lang="de-DE" dirty="0"/>
-              <a:t> Plattform hat viele Konstanten vordefiniert (</a:t>
-            </a:r>
-            <a:r>
-              <a:rPr lang="de-DE" dirty="0">
-                <a:hlinkClick r:id="rId3"/>
-              </a:rPr>
-              <a:t>https://</a:t>
-            </a:r>
-            <a:r>
-              <a:rPr lang="de-DE" dirty="0" err="1">
-                <a:hlinkClick r:id="rId3"/>
-              </a:rPr>
-              <a:t>www.arduino.cc</a:t>
-            </a:r>
-            <a:r>
-              <a:rPr lang="de-DE" dirty="0">
-                <a:hlinkClick r:id="rId3"/>
-              </a:rPr>
-              <a:t>/</a:t>
-            </a:r>
-            <a:r>
-              <a:rPr lang="de-DE" dirty="0" err="1">
-                <a:hlinkClick r:id="rId3"/>
-              </a:rPr>
-              <a:t>reference</a:t>
-            </a:r>
-            <a:r>
-              <a:rPr lang="de-DE" dirty="0">
-                <a:hlinkClick r:id="rId3"/>
-              </a:rPr>
-              <a:t>/de/)</a:t>
-            </a:r>
-            <a:endParaRPr lang="de-DE" dirty="0"/>
+            <p:ph type="subTitle" idx="1"/>
+          </p:nvPr>
+        </p:nvSpPr>
+        <p:spPr/>
+        <p:txBody>
+          <a:bodyPr/>
+          <a:lstStyle/>
+          <a:p>
+            <a:endParaRPr lang="de-DE"/>
           </a:p>
         </p:txBody>
       </p:sp>
       <p:pic>
         <p:nvPicPr>
-          <p:cNvPr id="4" name="Grafik 3">
-            <a:extLst>
-              <a:ext uri="{FF2B5EF4-FFF2-40B4-BE49-F238E27FC236}">
-                <a16:creationId xmlns:a16="http://schemas.microsoft.com/office/drawing/2014/main" id="{51DACA49-6FA4-CA44-B9F9-99A71A25C087}"/>
+          <p:cNvPr id="5" name="slide.url=https://www.polleverywhere.com/multiple_choice_polls/haUk20JPI1A8KAjUEnyEX?display_state=chart&amp;activity_state=closed&amp;display=correctness&amp;state=closed&amp;flow=Instructor&amp;onscreen=persist">
+            <a:extLst>
+              <a:ext uri="{FF2B5EF4-FFF2-40B4-BE49-F238E27FC236}">
+                <a16:creationId xmlns:a16="http://schemas.microsoft.com/office/drawing/2014/main" id="{7492096D-11DD-6D99-F0E4-D9F864267E83}"/>
               </a:ext>
             </a:extLst>
           </p:cNvPr>
           <p:cNvPicPr>
-            <a:picLocks noChangeAspect="1"/>
+            <a:picLocks/>
           </p:cNvPicPr>
           <p:nvPr/>
         </p:nvPicPr>
         <p:blipFill>
-          <a:blip r:embed="rId4"/>
+          <a:blip r:embed="rId3">
+            <a:extLst>
+              <a:ext uri="{28A0092B-C50C-407E-A947-70E740481C1C}">
+                <a14:useLocalDpi xmlns:a14="http://schemas.microsoft.com/office/drawing/2010/main" val="0"/>
+              </a:ext>
+            </a:extLst>
+          </a:blip>
           <a:stretch>
             <a:fillRect/>
           </a:stretch>
         </p:blipFill>
         <p:spPr>
           <a:xfrm>
-            <a:off x="5457396" y="1690688"/>
-            <a:ext cx="5651500" cy="2781300"/>
-          </a:xfrm>
-          <a:prstGeom prst="rect">
-            <a:avLst/>
-          </a:prstGeom>
-        </p:spPr>
-      </p:pic>
-      <p:pic>
-        <p:nvPicPr>
-          <p:cNvPr id="5" name="Grafik 4">
-            <a:extLst>
-              <a:ext uri="{FF2B5EF4-FFF2-40B4-BE49-F238E27FC236}">
-                <a16:creationId xmlns:a16="http://schemas.microsoft.com/office/drawing/2014/main" id="{B7033FD7-0827-734A-801B-9473CEEF8B3E}"/>
-              </a:ext>
-            </a:extLst>
-          </p:cNvPr>
-          <p:cNvPicPr>
-            <a:picLocks noChangeAspect="1"/>
-          </p:cNvPicPr>
-          <p:nvPr/>
-        </p:nvPicPr>
-        <p:blipFill>
-          <a:blip r:embed="rId5"/>
-          <a:stretch>
-            <a:fillRect/>
-          </a:stretch>
-        </p:blipFill>
-        <p:spPr>
-          <a:xfrm>
-            <a:off x="5761338" y="4750552"/>
-            <a:ext cx="3733800" cy="1485900"/>
+            <a:off x="63500" y="63500"/>
+            <a:ext cx="12065000" cy="6731000"/>
           </a:xfrm>
           <a:prstGeom prst="rect">
             <a:avLst/>
@@ -11824,7 +11858,7 @@
     </p:spTree>
     <p:extLst>
       <p:ext uri="{BB962C8B-B14F-4D97-AF65-F5344CB8AC3E}">
-        <p14:creationId xmlns:p14="http://schemas.microsoft.com/office/powerpoint/2010/main" val="3117359668"/>
+        <p14:creationId xmlns:p14="http://schemas.microsoft.com/office/powerpoint/2010/main" val="4137570215"/>
       </p:ext>
     </p:extLst>
   </p:cSld>
@@ -16370,18 +16404,18 @@
 </file>
 
 <file path=customXml/item2.xml><?xml version="1.0" encoding="utf-8"?>
-<p:properties xmlns:p="http://schemas.microsoft.com/office/2006/metadata/properties" xmlns:xsi="http://www.w3.org/2001/XMLSchema-instance" xmlns:pc="http://schemas.microsoft.com/office/infopath/2007/PartnerControls">
-  <documentManagement/>
-</p:properties>
-</file>
-
-<file path=customXml/item3.xml><?xml version="1.0" encoding="utf-8"?>
 <?mso-contentType ?>
 <FormTemplates xmlns="http://schemas.microsoft.com/sharepoint/v3/contenttype/forms">
   <Display>DocumentLibraryForm</Display>
   <Edit>DocumentLibraryForm</Edit>
   <New>DocumentLibraryForm</New>
 </FormTemplates>
+</file>
+
+<file path=customXml/item3.xml><?xml version="1.0" encoding="utf-8"?>
+<p:properties xmlns:p="http://schemas.microsoft.com/office/2006/metadata/properties" xmlns:xsi="http://www.w3.org/2001/XMLSchema-instance" xmlns:pc="http://schemas.microsoft.com/office/infopath/2007/PartnerControls">
+  <documentManagement/>
+</p:properties>
 </file>
 
 <file path=customXml/itemProps1.xml><?xml version="1.0" encoding="utf-8"?>
@@ -16404,6 +16438,14 @@
 </file>
 
 <file path=customXml/itemProps2.xml><?xml version="1.0" encoding="utf-8"?>
+<ds:datastoreItem xmlns:ds="http://schemas.openxmlformats.org/officeDocument/2006/customXml" ds:itemID="{19285E5B-5F99-40AB-B4B4-B67FE3E29063}">
+  <ds:schemaRefs>
+    <ds:schemaRef ds:uri="http://schemas.microsoft.com/sharepoint/v3/contenttype/forms"/>
+  </ds:schemaRefs>
+</ds:datastoreItem>
+</file>
+
+<file path=customXml/itemProps3.xml><?xml version="1.0" encoding="utf-8"?>
 <ds:datastoreItem xmlns:ds="http://schemas.openxmlformats.org/officeDocument/2006/customXml" ds:itemID="{68B22CCF-3790-4DAF-9B94-BBE8105DACDB}">
   <ds:schemaRefs>
     <ds:schemaRef ds:uri="http://purl.org/dc/elements/1.1/"/>
@@ -16418,12 +16460,4 @@
     <ds:schemaRef ds:uri="http://purl.org/dc/terms/"/>
   </ds:schemaRefs>
 </ds:datastoreItem>
-</file>
-
-<file path=customXml/itemProps3.xml><?xml version="1.0" encoding="utf-8"?>
-<ds:datastoreItem xmlns:ds="http://schemas.openxmlformats.org/officeDocument/2006/customXml" ds:itemID="{19285E5B-5F99-40AB-B4B4-B67FE3E29063}">
-  <ds:schemaRefs>
-    <ds:schemaRef ds:uri="http://schemas.microsoft.com/sharepoint/v3/contenttype/forms"/>
-  </ds:schemaRefs>
-</ds:datastoreItem>
 </file>